--- a/android/service/started/doc/slides.pptx
+++ b/android/service/started/doc/slides.pptx
@@ -111,6 +111,11 @@
       </a:defRPr>
     </a:lvl9pPr>
   </p:defaultTextStyle>
+  <p:extLst>
+    <p:ext uri="{EFAFB233-063F-42B5-8137-9DF3F51BA10A}">
+      <p15:sldGuideLst xmlns:p15="http://schemas.microsoft.com/office/powerpoint/2012/main"/>
+    </p:ext>
+  </p:extLst>
 </p:presentation>
 </file>
 
@@ -196,7 +201,7 @@
           <a:p>
             <a:fld id="{7E1451EC-92BE-44CD-A5CA-266BE9923062}" type="datetimeFigureOut">
               <a:rPr lang="en-US" smtClean="0"/>
-              <a:t>7/30/2015</a:t>
+              <a:t>8/6/2015</a:t>
             </a:fld>
             <a:endParaRPr lang="en-US"/>
           </a:p>
@@ -3926,7 +3931,7 @@
       </p:sp>
       <p:pic>
         <p:nvPicPr>
-          <p:cNvPr id="9" name="Picture 8"/>
+          <p:cNvPr id="2" name="Picture 1"/>
           <p:cNvPicPr>
             <a:picLocks noChangeAspect="1"/>
           </p:cNvPicPr>
@@ -3946,8 +3951,8 @@
         </p:blipFill>
         <p:spPr>
           <a:xfrm>
-            <a:off x="2233884" y="365125"/>
-            <a:ext cx="3322185" cy="5055326"/>
+            <a:off x="6213641" y="323299"/>
+            <a:ext cx="2940306" cy="5227208"/>
           </a:xfrm>
           <a:prstGeom prst="rect">
             <a:avLst/>
@@ -3956,7 +3961,7 @@
       </p:pic>
       <p:pic>
         <p:nvPicPr>
-          <p:cNvPr id="10" name="Picture 9"/>
+          <p:cNvPr id="3" name="Picture 2"/>
           <p:cNvPicPr>
             <a:picLocks noChangeAspect="1"/>
           </p:cNvPicPr>
@@ -3976,8 +3981,8 @@
         </p:blipFill>
         <p:spPr>
           <a:xfrm>
-            <a:off x="5986319" y="365125"/>
-            <a:ext cx="3526275" cy="5055326"/>
+            <a:off x="2456933" y="365125"/>
+            <a:ext cx="2914272" cy="5180924"/>
           </a:xfrm>
           <a:prstGeom prst="rect">
             <a:avLst/>
@@ -4161,7 +4166,7 @@
       </p:sp>
       <p:pic>
         <p:nvPicPr>
-          <p:cNvPr id="10" name="Picture 9"/>
+          <p:cNvPr id="2" name="Picture 1"/>
           <p:cNvPicPr>
             <a:picLocks noChangeAspect="1"/>
           </p:cNvPicPr>
@@ -4181,8 +4186,8 @@
         </p:blipFill>
         <p:spPr>
           <a:xfrm>
-            <a:off x="2204072" y="365125"/>
-            <a:ext cx="3509713" cy="5215855"/>
+            <a:off x="2473642" y="91440"/>
+            <a:ext cx="3029768" cy="5386252"/>
           </a:xfrm>
           <a:prstGeom prst="rect">
             <a:avLst/>
@@ -4191,7 +4196,7 @@
       </p:pic>
       <p:pic>
         <p:nvPicPr>
-          <p:cNvPr id="11" name="Picture 10"/>
+          <p:cNvPr id="7" name="Picture 6"/>
           <p:cNvPicPr>
             <a:picLocks noChangeAspect="1"/>
           </p:cNvPicPr>
@@ -4211,8 +4216,8 @@
         </p:blipFill>
         <p:spPr>
           <a:xfrm>
-            <a:off x="6393047" y="365125"/>
-            <a:ext cx="3474137" cy="5215855"/>
+            <a:off x="6523500" y="91440"/>
+            <a:ext cx="3029768" cy="5386252"/>
           </a:xfrm>
           <a:prstGeom prst="rect">
             <a:avLst/>
